--- a/2022湛江一模作文评讲.pptx
+++ b/2022湛江一模作文评讲.pptx
@@ -26287,6 +26287,7 @@
           <a:p>
             <a:r>
               <a:rPr lang="zh-CN" altLang="en-US" sz="2600">
+                <a:ln/>
                 <a:solidFill>
                   <a:schemeClr val="tx1"/>
                 </a:solidFill>
@@ -26306,6 +26307,7 @@
             </a:r>
             <a:br>
               <a:rPr lang="zh-CN" altLang="en-US" sz="2600">
+                <a:ln/>
                 <a:solidFill>
                   <a:schemeClr val="tx1"/>
                 </a:solidFill>
@@ -26321,6 +26323,7 @@
             </a:br>
             <a:r>
               <a:rPr lang="zh-CN" altLang="en-US" sz="2600">
+                <a:ln/>
                 <a:solidFill>
                   <a:schemeClr val="tx1"/>
                 </a:solidFill>
@@ -26337,6 +26340,7 @@
             </a:r>
             <a:br>
               <a:rPr lang="zh-CN" altLang="en-US" sz="2600">
+                <a:ln/>
                 <a:solidFill>
                   <a:schemeClr val="tx1"/>
                 </a:solidFill>
@@ -26352,6 +26356,7 @@
             </a:br>
             <a:r>
               <a:rPr lang="en-US" altLang="zh-CN" sz="2600">
+                <a:ln/>
                 <a:solidFill>
                   <a:schemeClr val="tx1"/>
                 </a:solidFill>
@@ -26368,6 +26373,7 @@
             </a:r>
             <a:r>
               <a:rPr lang="zh-CN" altLang="en-US" sz="2800" kern="0" spc="-150">
+                <a:ln/>
                 <a:solidFill>
                   <a:schemeClr val="tx1"/>
                 </a:solidFill>
@@ -26387,6 +26393,7 @@
             </a:r>
             <a:r>
               <a:rPr lang="en-US" altLang="zh-CN" sz="2800" kern="0" spc="-150">
+                <a:ln/>
                 <a:solidFill>
                   <a:schemeClr val="tx1"/>
                 </a:solidFill>
@@ -26406,6 +26413,7 @@
             </a:r>
             <a:r>
               <a:rPr lang="zh-CN" altLang="en-US" sz="2800" kern="0" spc="-150">
+                <a:ln/>
                 <a:solidFill>
                   <a:schemeClr val="tx1"/>
                 </a:solidFill>
@@ -26425,6 +26433,7 @@
             </a:r>
             <a:r>
               <a:rPr lang="en-US" altLang="zh-CN" sz="2800" kern="0" spc="-150">
+                <a:ln/>
                 <a:solidFill>
                   <a:schemeClr val="tx1"/>
                 </a:solidFill>
@@ -26444,6 +26453,7 @@
             </a:r>
             <a:r>
               <a:rPr lang="zh-CN" altLang="en-US" sz="2800" kern="0" spc="-150">
+                <a:ln/>
                 <a:solidFill>
                   <a:schemeClr val="tx1"/>
                 </a:solidFill>
@@ -26463,6 +26473,7 @@
             </a:r>
             <a:r>
               <a:rPr lang="en-US" altLang="zh-CN" sz="2800" kern="0" spc="-150">
+                <a:ln/>
                 <a:solidFill>
                   <a:schemeClr val="tx1"/>
                 </a:solidFill>
@@ -26482,6 +26493,7 @@
             </a:r>
             <a:r>
               <a:rPr lang="zh-CN" altLang="en-US" sz="2800" kern="0" spc="-150">
+                <a:ln/>
                 <a:solidFill>
                   <a:schemeClr val="tx1"/>
                 </a:solidFill>
@@ -26501,6 +26513,7 @@
             </a:r>
             <a:r>
               <a:rPr lang="zh-CN" altLang="en-US" sz="2600">
+                <a:ln/>
                 <a:solidFill>
                   <a:schemeClr val="tx1"/>
                 </a:solidFill>
@@ -26520,6 +26533,7 @@
             </a:r>
             <a:r>
               <a:rPr lang="zh-CN" altLang="en-US" sz="2600">
+                <a:ln/>
                 <a:solidFill>
                   <a:schemeClr val="tx1"/>
                 </a:solidFill>
@@ -26536,6 +26550,7 @@
             </a:r>
             <a:br>
               <a:rPr lang="zh-CN" altLang="en-US" sz="2600">
+                <a:ln/>
                 <a:solidFill>
                   <a:schemeClr val="tx1"/>
                 </a:solidFill>
@@ -26551,6 +26566,7 @@
             </a:br>
             <a:r>
               <a:rPr lang="en-US" altLang="zh-CN" sz="2600">
+                <a:ln/>
                 <a:solidFill>
                   <a:schemeClr val="tx1"/>
                 </a:solidFill>
@@ -26567,6 +26583,7 @@
             </a:r>
             <a:r>
               <a:rPr lang="zh-CN" altLang="en-US" sz="2600">
+                <a:ln/>
                 <a:solidFill>
                   <a:schemeClr val="tx1"/>
                 </a:solidFill>
@@ -26583,6 +26600,7 @@
             </a:r>
             <a:br>
               <a:rPr lang="zh-CN" altLang="en-US" sz="2600">
+                <a:ln/>
                 <a:solidFill>
                   <a:schemeClr val="tx1"/>
                 </a:solidFill>
@@ -26598,6 +26616,7 @@
             </a:br>
             <a:r>
               <a:rPr lang="en-US" altLang="zh-CN" sz="2600">
+                <a:ln/>
                 <a:solidFill>
                   <a:schemeClr val="tx1"/>
                 </a:solidFill>
@@ -26614,6 +26633,7 @@
             </a:r>
             <a:r>
               <a:rPr lang="zh-CN" altLang="en-US" sz="2600">
+                <a:ln/>
                 <a:solidFill>
                   <a:schemeClr val="tx1"/>
                 </a:solidFill>
@@ -26629,6 +26649,7 @@
               <a:t>要求：选准角度，确定立意，明确问题，自拟标题：不要套作，不得抄袭，不得泄露个人信息，不少于800字。 </a:t>
             </a:r>
             <a:endParaRPr lang="zh-CN" altLang="en-US" sz="2600">
+              <a:ln/>
               <a:solidFill>
                 <a:schemeClr val="tx1"/>
               </a:solidFill>
